--- a/Lecture_26.pptx
+++ b/Lecture_26.pptx
@@ -277,7 +277,7 @@
           <a:p>
             <a:fld id="{E8F1674F-48CE-4A18-AC50-5A38476404B8}" type="datetimeFigureOut">
               <a:rPr lang="en-US" smtClean="0"/>
-              <a:t>11/10/2019</a:t>
+              <a:t>11/11/2019</a:t>
             </a:fld>
             <a:endParaRPr lang="en-US"/>
           </a:p>
@@ -475,7 +475,7 @@
           <a:p>
             <a:fld id="{E8F1674F-48CE-4A18-AC50-5A38476404B8}" type="datetimeFigureOut">
               <a:rPr lang="en-US" smtClean="0"/>
-              <a:t>11/10/2019</a:t>
+              <a:t>11/11/2019</a:t>
             </a:fld>
             <a:endParaRPr lang="en-US"/>
           </a:p>
@@ -683,7 +683,7 @@
           <a:p>
             <a:fld id="{E8F1674F-48CE-4A18-AC50-5A38476404B8}" type="datetimeFigureOut">
               <a:rPr lang="en-US" smtClean="0"/>
-              <a:t>11/10/2019</a:t>
+              <a:t>11/11/2019</a:t>
             </a:fld>
             <a:endParaRPr lang="en-US"/>
           </a:p>
@@ -881,7 +881,7 @@
           <a:p>
             <a:fld id="{E8F1674F-48CE-4A18-AC50-5A38476404B8}" type="datetimeFigureOut">
               <a:rPr lang="en-US" smtClean="0"/>
-              <a:t>11/10/2019</a:t>
+              <a:t>11/11/2019</a:t>
             </a:fld>
             <a:endParaRPr lang="en-US"/>
           </a:p>
@@ -1156,7 +1156,7 @@
           <a:p>
             <a:fld id="{E8F1674F-48CE-4A18-AC50-5A38476404B8}" type="datetimeFigureOut">
               <a:rPr lang="en-US" smtClean="0"/>
-              <a:t>11/10/2019</a:t>
+              <a:t>11/11/2019</a:t>
             </a:fld>
             <a:endParaRPr lang="en-US"/>
           </a:p>
@@ -1421,7 +1421,7 @@
           <a:p>
             <a:fld id="{E8F1674F-48CE-4A18-AC50-5A38476404B8}" type="datetimeFigureOut">
               <a:rPr lang="en-US" smtClean="0"/>
-              <a:t>11/10/2019</a:t>
+              <a:t>11/11/2019</a:t>
             </a:fld>
             <a:endParaRPr lang="en-US"/>
           </a:p>
@@ -1833,7 +1833,7 @@
           <a:p>
             <a:fld id="{E8F1674F-48CE-4A18-AC50-5A38476404B8}" type="datetimeFigureOut">
               <a:rPr lang="en-US" smtClean="0"/>
-              <a:t>11/10/2019</a:t>
+              <a:t>11/11/2019</a:t>
             </a:fld>
             <a:endParaRPr lang="en-US"/>
           </a:p>
@@ -1974,7 +1974,7 @@
           <a:p>
             <a:fld id="{E8F1674F-48CE-4A18-AC50-5A38476404B8}" type="datetimeFigureOut">
               <a:rPr lang="en-US" smtClean="0"/>
-              <a:t>11/10/2019</a:t>
+              <a:t>11/11/2019</a:t>
             </a:fld>
             <a:endParaRPr lang="en-US"/>
           </a:p>
@@ -2087,7 +2087,7 @@
           <a:p>
             <a:fld id="{E8F1674F-48CE-4A18-AC50-5A38476404B8}" type="datetimeFigureOut">
               <a:rPr lang="en-US" smtClean="0"/>
-              <a:t>11/10/2019</a:t>
+              <a:t>11/11/2019</a:t>
             </a:fld>
             <a:endParaRPr lang="en-US"/>
           </a:p>
@@ -2398,7 +2398,7 @@
           <a:p>
             <a:fld id="{E8F1674F-48CE-4A18-AC50-5A38476404B8}" type="datetimeFigureOut">
               <a:rPr lang="en-US" smtClean="0"/>
-              <a:t>11/10/2019</a:t>
+              <a:t>11/11/2019</a:t>
             </a:fld>
             <a:endParaRPr lang="en-US"/>
           </a:p>
@@ -2686,7 +2686,7 @@
           <a:p>
             <a:fld id="{E8F1674F-48CE-4A18-AC50-5A38476404B8}" type="datetimeFigureOut">
               <a:rPr lang="en-US" smtClean="0"/>
-              <a:t>11/10/2019</a:t>
+              <a:t>11/11/2019</a:t>
             </a:fld>
             <a:endParaRPr lang="en-US"/>
           </a:p>
@@ -2927,7 +2927,7 @@
           <a:p>
             <a:fld id="{E8F1674F-48CE-4A18-AC50-5A38476404B8}" type="datetimeFigureOut">
               <a:rPr lang="en-US" smtClean="0"/>
-              <a:t>11/10/2019</a:t>
+              <a:t>11/11/2019</a:t>
             </a:fld>
             <a:endParaRPr lang="en-US"/>
           </a:p>
@@ -4028,8 +4028,8 @@
           </a:p>
         </p:txBody>
       </p:sp>
-      <mc:AlternateContent xmlns:mc="http://schemas.openxmlformats.org/markup-compatibility/2006">
-        <mc:Choice xmlns:a14="http://schemas.microsoft.com/office/drawing/2010/main" Requires="a14">
+      <mc:AlternateContent xmlns:mc="http://schemas.openxmlformats.org/markup-compatibility/2006" xmlns:a14="http://schemas.microsoft.com/office/drawing/2010/main">
+        <mc:Choice Requires="a14">
           <p:sp>
             <p:nvSpPr>
               <p:cNvPr id="3" name="Content Placeholder 2">
@@ -4193,7 +4193,7 @@
             </p:txBody>
           </p:sp>
         </mc:Choice>
-        <mc:Fallback>
+        <mc:Fallback xmlns="">
           <p:sp>
             <p:nvSpPr>
               <p:cNvPr id="3" name="Content Placeholder 2">
@@ -5767,8 +5767,8 @@
           </a:p>
         </p:txBody>
       </p:sp>
-      <mc:AlternateContent xmlns:mc="http://schemas.openxmlformats.org/markup-compatibility/2006">
-        <mc:Choice xmlns:a14="http://schemas.microsoft.com/office/drawing/2010/main" Requires="a14">
+      <mc:AlternateContent xmlns:mc="http://schemas.openxmlformats.org/markup-compatibility/2006" xmlns:a14="http://schemas.microsoft.com/office/drawing/2010/main">
+        <mc:Choice Requires="a14">
           <p:sp>
             <p:nvSpPr>
               <p:cNvPr id="3" name="Content Placeholder 2">
@@ -6093,7 +6093,7 @@
             </p:txBody>
           </p:sp>
         </mc:Choice>
-        <mc:Fallback>
+        <mc:Fallback xmlns="">
           <p:sp>
             <p:nvSpPr>
               <p:cNvPr id="3" name="Content Placeholder 2">
@@ -10783,7 +10783,15 @@
           <a:p>
             <a:r>
               <a:rPr lang="en-US" dirty="0"/>
-              <a:t>Most problems were with question 2a (GNB)</a:t>
+              <a:t>Most problems were with </a:t>
+            </a:r>
+            <a:r>
+              <a:rPr lang="en-US"/>
+              <a:t>question 3a </a:t>
+            </a:r>
+            <a:r>
+              <a:rPr lang="en-US" dirty="0"/>
+              <a:t>(GNB)</a:t>
             </a:r>
           </a:p>
           <a:p>
@@ -12526,8 +12534,8 @@
           </a:p>
         </p:txBody>
       </p:sp>
-      <mc:AlternateContent xmlns:mc="http://schemas.openxmlformats.org/markup-compatibility/2006">
-        <mc:Choice xmlns:a14="http://schemas.microsoft.com/office/drawing/2010/main" Requires="a14">
+      <mc:AlternateContent xmlns:mc="http://schemas.openxmlformats.org/markup-compatibility/2006" xmlns:a14="http://schemas.microsoft.com/office/drawing/2010/main">
+        <mc:Choice Requires="a14">
           <p:sp>
             <p:nvSpPr>
               <p:cNvPr id="3" name="Content Placeholder 2">
@@ -12726,7 +12734,7 @@
             </p:txBody>
           </p:sp>
         </mc:Choice>
-        <mc:Fallback>
+        <mc:Fallback xmlns="">
           <p:sp>
             <p:nvSpPr>
               <p:cNvPr id="3" name="Content Placeholder 2">
